--- a/Этап 1/Архитектурный документ.pptx
+++ b/Этап 1/Архитектурный документ.pptx
@@ -111,6 +111,11 @@
       </a:defRPr>
     </a:lvl9pPr>
   </p:defaultTextStyle>
+  <p:extLst>
+    <p:ext uri="{EFAFB233-063F-42B5-8137-9DF3F51BA10A}">
+      <p15:sldGuideLst xmlns:p15="http://schemas.microsoft.com/office/powerpoint/2012/main"/>
+    </p:ext>
+  </p:extLst>
 </p:presentation>
 </file>
 
@@ -3373,12 +3378,58 @@
             <p:ph type="subTitle" idx="1"/>
           </p:nvPr>
         </p:nvSpPr>
-        <p:spPr/>
-        <p:txBody>
-          <a:bodyPr/>
-          <a:lstStyle/>
-          <a:p>
-            <a:endParaRPr lang="ru-RU"/>
+        <p:spPr>
+          <a:xfrm>
+            <a:off x="1524000" y="3602037"/>
+            <a:ext cx="9144000" cy="2808093"/>
+          </a:xfrm>
+        </p:spPr>
+        <p:txBody>
+          <a:bodyPr/>
+          <a:lstStyle/>
+          <a:p>
+            <a:pPr algn="r"/>
+            <a:r>
+              <a:rPr lang="ru-RU" dirty="0"/>
+              <a:t>Выполнили</a:t>
+            </a:r>
+            <a:r>
+              <a:rPr lang="en-US" dirty="0"/>
+              <a:t>:</a:t>
+            </a:r>
+            <a:endParaRPr lang="ru-RU" dirty="0"/>
+          </a:p>
+          <a:p>
+            <a:pPr algn="r"/>
+            <a:r>
+              <a:rPr lang="ru-RU" dirty="0" err="1"/>
+              <a:t>Курылин</a:t>
+            </a:r>
+            <a:r>
+              <a:rPr lang="ru-RU" dirty="0"/>
+              <a:t> Илья БПИ232</a:t>
+            </a:r>
+          </a:p>
+          <a:p>
+            <a:pPr algn="r"/>
+            <a:r>
+              <a:rPr lang="ru-RU" dirty="0"/>
+              <a:t>Леонов Вадим БПИ232</a:t>
+            </a:r>
+          </a:p>
+          <a:p>
+            <a:pPr algn="r"/>
+            <a:r>
+              <a:rPr lang="ru-RU" dirty="0"/>
+              <a:t>Чарная Марина БПИ232</a:t>
+            </a:r>
+          </a:p>
+          <a:p>
+            <a:pPr algn="r"/>
+            <a:r>
+              <a:rPr lang="ru-RU" dirty="0"/>
+              <a:t>Соколов Артем БПИ232</a:t>
+            </a:r>
           </a:p>
         </p:txBody>
       </p:sp>
@@ -3686,9 +3737,16 @@
             <p:ph idx="1"/>
           </p:nvPr>
         </p:nvSpPr>
-        <p:spPr/>
-        <p:txBody>
-          <a:bodyPr/>
+        <p:spPr>
+          <a:xfrm>
+            <a:off x="838200" y="1690688"/>
+            <a:ext cx="10515600" cy="4486275"/>
+          </a:xfrm>
+        </p:spPr>
+        <p:txBody>
+          <a:bodyPr>
+            <a:normAutofit/>
+          </a:bodyPr>
           <a:lstStyle/>
           <a:p>
             <a:pPr marL="0" indent="0">
@@ -3697,6 +3755,126 @@
             <a:r>
               <a:rPr lang="ru-RU" dirty="0"/>
               <a:t>Это слой источников, отсюда к нам поступают данные и события</a:t>
+            </a:r>
+            <a:endParaRPr lang="en-US" dirty="0"/>
+          </a:p>
+          <a:p>
+            <a:pPr marL="0" indent="0">
+              <a:buNone/>
+            </a:pPr>
+            <a:r>
+              <a:rPr lang="en-US" dirty="0"/>
+              <a:t>OLTP </a:t>
+            </a:r>
+            <a:r>
+              <a:rPr lang="ru-RU" dirty="0"/>
+              <a:t>база </a:t>
+            </a:r>
+            <a:r>
+              <a:rPr lang="en-US" dirty="0" err="1"/>
+              <a:t>metropulse_db</a:t>
+            </a:r>
+            <a:r>
+              <a:rPr lang="en-US" dirty="0"/>
+              <a:t>:</a:t>
+            </a:r>
+          </a:p>
+          <a:p>
+            <a:pPr marL="0" indent="0">
+              <a:buNone/>
+            </a:pPr>
+            <a:r>
+              <a:rPr lang="en-US" dirty="0"/>
+              <a:t>	USERS –</a:t>
+            </a:r>
+            <a:r>
+              <a:rPr lang="ru-RU" dirty="0"/>
+              <a:t> Информация о пользователе</a:t>
+            </a:r>
+          </a:p>
+          <a:p>
+            <a:pPr marL="0" indent="0">
+              <a:buNone/>
+            </a:pPr>
+            <a:r>
+              <a:rPr lang="ru-RU" dirty="0"/>
+              <a:t>	</a:t>
+            </a:r>
+            <a:r>
+              <a:rPr lang="en-US" dirty="0"/>
+              <a:t>ROUTES – </a:t>
+            </a:r>
+            <a:r>
+              <a:rPr lang="ru-RU" dirty="0"/>
+              <a:t>Информация о маршрутах</a:t>
+            </a:r>
+          </a:p>
+          <a:p>
+            <a:pPr marL="0" indent="0">
+              <a:buNone/>
+            </a:pPr>
+            <a:r>
+              <a:rPr lang="ru-RU" dirty="0"/>
+              <a:t>	</a:t>
+            </a:r>
+            <a:r>
+              <a:rPr lang="en-US" dirty="0"/>
+              <a:t>VEHICLES – </a:t>
+            </a:r>
+            <a:r>
+              <a:rPr lang="ru-RU" dirty="0"/>
+              <a:t>Информация о транспортном средстве</a:t>
+            </a:r>
+          </a:p>
+          <a:p>
+            <a:pPr marL="0" indent="0">
+              <a:buNone/>
+            </a:pPr>
+            <a:r>
+              <a:rPr lang="en-US" dirty="0"/>
+              <a:t>	RIDES – </a:t>
+            </a:r>
+            <a:r>
+              <a:rPr lang="ru-RU" dirty="0"/>
+              <a:t>Информация о поездках</a:t>
+            </a:r>
+          </a:p>
+          <a:p>
+            <a:pPr marL="0" indent="0">
+              <a:buNone/>
+            </a:pPr>
+            <a:r>
+              <a:rPr lang="en-US" dirty="0"/>
+              <a:t>	PAYMENTS – </a:t>
+            </a:r>
+            <a:r>
+              <a:rPr lang="ru-RU" dirty="0"/>
+              <a:t>Информация о платежах</a:t>
+            </a:r>
+          </a:p>
+          <a:p>
+            <a:pPr marL="0" indent="0">
+              <a:buNone/>
+            </a:pPr>
+            <a:r>
+              <a:rPr lang="en-US" dirty="0"/>
+              <a:t>Kafka Event </a:t>
+            </a:r>
+            <a:r>
+              <a:rPr lang="ru-RU" dirty="0"/>
+              <a:t>поступает в топик </a:t>
+            </a:r>
+            <a:r>
+              <a:rPr lang="en-US" dirty="0" err="1"/>
+              <a:t>vehicle_positions</a:t>
+            </a:r>
+            <a:r>
+              <a:rPr lang="en-US" dirty="0"/>
+              <a:t> – </a:t>
+            </a:r>
+            <a:r>
+              <a:rPr lang="ru-RU" dirty="0"/>
+              <a:t>сюда приходит информация о позиции транспортного средства в момент времени</a:t>
             </a:r>
           </a:p>
         </p:txBody>
@@ -3778,7 +3956,9 @@
         </p:nvSpPr>
         <p:spPr/>
         <p:txBody>
-          <a:bodyPr/>
+          <a:bodyPr>
+            <a:normAutofit fontScale="92500"/>
+          </a:bodyPr>
           <a:lstStyle/>
           <a:p>
             <a:pPr marL="0" indent="0">
@@ -3821,51 +4001,79 @@
               <a:rPr lang="en-US" dirty="0"/>
               <a:t>: </a:t>
             </a:r>
+            <a:endParaRPr lang="ru-RU" dirty="0"/>
+          </a:p>
+          <a:p>
             <a:r>
               <a:rPr lang="en-US" dirty="0" err="1"/>
               <a:t>stg_users</a:t>
             </a:r>
             <a:r>
-              <a:rPr lang="en-US" dirty="0"/>
-              <a:t>, </a:t>
-            </a:r>
+              <a:rPr lang="ru-RU" dirty="0"/>
+              <a:t> – Сырые данные о пользователе</a:t>
+            </a:r>
+          </a:p>
+          <a:p>
             <a:r>
               <a:rPr lang="en-US" dirty="0" err="1"/>
               <a:t>stg_routes</a:t>
             </a:r>
             <a:r>
               <a:rPr lang="en-US" dirty="0"/>
-              <a:t>, </a:t>
-            </a:r>
+              <a:t> </a:t>
+            </a:r>
+            <a:r>
+              <a:rPr lang="ru-RU" dirty="0"/>
+              <a:t>– Сырые данные о маршрутах</a:t>
+            </a:r>
+          </a:p>
+          <a:p>
             <a:r>
               <a:rPr lang="en-US" dirty="0" err="1"/>
               <a:t>stg_vehicles</a:t>
             </a:r>
             <a:r>
               <a:rPr lang="en-US" dirty="0"/>
-              <a:t>, </a:t>
-            </a:r>
+              <a:t> </a:t>
+            </a:r>
+            <a:r>
+              <a:rPr lang="ru-RU" dirty="0"/>
+              <a:t>– Сырые данные о транспортах</a:t>
+            </a:r>
+          </a:p>
+          <a:p>
             <a:r>
               <a:rPr lang="en-US" dirty="0" err="1"/>
               <a:t>stg_rides</a:t>
             </a:r>
             <a:r>
-              <a:rPr lang="en-US" dirty="0"/>
-              <a:t>, </a:t>
-            </a:r>
+              <a:rPr lang="ru-RU" dirty="0"/>
+              <a:t> – Сырые данные о поездках</a:t>
+            </a:r>
+          </a:p>
+          <a:p>
             <a:r>
               <a:rPr lang="en-US" dirty="0" err="1"/>
               <a:t>stg_payments</a:t>
             </a:r>
             <a:r>
               <a:rPr lang="en-US" dirty="0"/>
-              <a:t>, </a:t>
-            </a:r>
+              <a:t> </a:t>
+            </a:r>
+            <a:r>
+              <a:rPr lang="ru-RU" dirty="0"/>
+              <a:t>– Сырые данные о платежах</a:t>
+            </a:r>
+          </a:p>
+          <a:p>
             <a:r>
               <a:rPr lang="en-US" dirty="0" err="1"/>
               <a:t>stg_vehicle_positions</a:t>
             </a:r>
-            <a:endParaRPr lang="ru-RU" dirty="0"/>
+            <a:r>
+              <a:rPr lang="ru-RU" dirty="0"/>
+              <a:t> – Сырые данные о местоположении ТС</a:t>
+            </a:r>
           </a:p>
         </p:txBody>
       </p:sp>
@@ -4023,25 +4231,45 @@
               <a:rPr lang="en-US" dirty="0"/>
               <a:t>Facts: </a:t>
             </a:r>
+            <a:endParaRPr lang="ru-RU" dirty="0"/>
+          </a:p>
+          <a:p>
             <a:r>
               <a:rPr lang="en-US" dirty="0" err="1"/>
               <a:t>fact_rides</a:t>
             </a:r>
             <a:r>
-              <a:rPr lang="en-US" dirty="0"/>
-              <a:t>, </a:t>
-            </a:r>
+              <a:rPr lang="ru-RU" dirty="0"/>
+              <a:t> – факт поездки с информацией о маршруте, юзере и </a:t>
+            </a:r>
+            <a:r>
+              <a:rPr lang="ru-RU" dirty="0" err="1"/>
+              <a:t>тд</a:t>
+            </a:r>
+            <a:endParaRPr lang="ru-RU" dirty="0"/>
+          </a:p>
+          <a:p>
             <a:r>
               <a:rPr lang="en-US" dirty="0" err="1"/>
               <a:t>fact_payments</a:t>
             </a:r>
             <a:r>
-              <a:rPr lang="en-US" dirty="0"/>
-              <a:t>, </a:t>
-            </a:r>
+              <a:rPr lang="ru-RU" dirty="0"/>
+              <a:t> – факт платежа</a:t>
+            </a:r>
+          </a:p>
+          <a:p>
             <a:r>
               <a:rPr lang="en-US" dirty="0" err="1"/>
               <a:t>fact_vehicle_movement</a:t>
+            </a:r>
+            <a:r>
+              <a:rPr lang="ru-RU" dirty="0"/>
+              <a:t> – агрегированные факты </a:t>
+            </a:r>
+            <a:r>
+              <a:rPr lang="ru-RU"/>
+              <a:t>движения транспорта</a:t>
             </a:r>
             <a:endParaRPr lang="ru-RU" dirty="0"/>
           </a:p>
